--- a/documentation/docs/presentation/HTMLSC-presentation.pptx
+++ b/documentation/docs/presentation/HTMLSC-presentation.pptx
@@ -312,7 +312,7 @@
             <a:fld id="{8ACDB3CC-F982-40F9-8DD6-BCC9AFBF44BD}" type="datetime1">
               <a:rPr lang="en-US" smtClean="0"/>
               <a:pPr/>
-              <a:t>14.03.15</a:t>
+              <a:t>15.04.15</a:t>
             </a:fld>
             <a:endParaRPr lang="en-US" dirty="0"/>
           </a:p>
@@ -482,7 +482,7 @@
           <a:p>
             <a:fld id="{68C2560D-EC28-3B41-86E8-18F1CE0113B4}" type="datetimeFigureOut">
               <a:rPr lang="en-US" smtClean="0"/>
-              <a:t>14.03.15</a:t>
+              <a:t>15.04.15</a:t>
             </a:fld>
             <a:endParaRPr lang="en-US"/>
           </a:p>
@@ -729,7 +729,7 @@
             <a:fld id="{4A9E7B99-7C3F-4BC3-B7B8-7E1F8C620B24}" type="datetime1">
               <a:rPr lang="en-US" smtClean="0"/>
               <a:pPr/>
-              <a:t>14.03.15</a:t>
+              <a:t>15.04.15</a:t>
             </a:fld>
             <a:endParaRPr lang="en-US"/>
           </a:p>
@@ -1018,7 +1018,7 @@
           <a:p>
             <a:fld id="{68C2560D-EC28-3B41-86E8-18F1CE0113B4}" type="datetimeFigureOut">
               <a:rPr lang="en-US" smtClean="0"/>
-              <a:t>14.03.15</a:t>
+              <a:t>15.04.15</a:t>
             </a:fld>
             <a:endParaRPr lang="en-US"/>
           </a:p>
@@ -1440,7 +1440,7 @@
           <a:p>
             <a:fld id="{68C2560D-EC28-3B41-86E8-18F1CE0113B4}" type="datetimeFigureOut">
               <a:rPr lang="en-US" smtClean="0"/>
-              <a:t>14.03.15</a:t>
+              <a:t>15.04.15</a:t>
             </a:fld>
             <a:endParaRPr lang="en-US"/>
           </a:p>
@@ -1558,7 +1558,7 @@
           <a:p>
             <a:fld id="{68C2560D-EC28-3B41-86E8-18F1CE0113B4}" type="datetimeFigureOut">
               <a:rPr lang="en-US" smtClean="0"/>
-              <a:t>14.03.15</a:t>
+              <a:t>15.04.15</a:t>
             </a:fld>
             <a:endParaRPr lang="en-US"/>
           </a:p>
@@ -1771,7 +1771,7 @@
           <a:p>
             <a:fld id="{68C2560D-EC28-3B41-86E8-18F1CE0113B4}" type="datetimeFigureOut">
               <a:rPr lang="en-US" smtClean="0"/>
-              <a:t>14.03.15</a:t>
+              <a:t>15.04.15</a:t>
             </a:fld>
             <a:endParaRPr lang="en-US"/>
           </a:p>
@@ -2510,7 +2510,6 @@
               <a:rPr lang="de-DE" sz="2400" dirty="0" smtClean="0"/>
               <a:t>Dr. Gernot Starke</a:t>
             </a:r>
-            <a:endParaRPr lang="de-DE" sz="2400" dirty="0" smtClean="0"/>
           </a:p>
         </p:txBody>
       </p:sp>
@@ -6999,14 +6998,14 @@
           <p:nvPr>
             <p:extLst>
               <p:ext uri="{D42A27DB-BD31-4B8C-83A1-F6EECF244321}">
-                <p14:modId xmlns:p14="http://schemas.microsoft.com/office/powerpoint/2010/main" val="2926222370"/>
+                <p14:modId xmlns:p14="http://schemas.microsoft.com/office/powerpoint/2010/main" val="3640718770"/>
               </p:ext>
             </p:extLst>
           </p:nvPr>
         </p:nvGraphicFramePr>
         <p:xfrm>
           <a:off x="209492" y="1593410"/>
-          <a:ext cx="8576080" cy="4754879"/>
+          <a:ext cx="8576080" cy="4358639"/>
         </p:xfrm>
         <a:graphic>
           <a:graphicData uri="http://schemas.openxmlformats.org/drawingml/2006/table">
@@ -7672,48 +7671,6 @@
                         <a:rPr lang="de-DE" b="0" dirty="0" smtClean="0"/>
                         <a:t>-Repository</a:t>
                       </a:r>
-                      <a:endParaRPr lang="de-DE" b="0" dirty="0"/>
-                    </a:p>
-                  </a:txBody>
-                  <a:tcPr/>
-                </a:tc>
-              </a:tr>
-              <a:tr h="370840">
-                <a:tc>
-                  <a:txBody>
-                    <a:bodyPr/>
-                    <a:lstStyle/>
-                    <a:p>
-                      <a:r>
-                        <a:rPr lang="de-DE" sz="2000" b="0" dirty="0" smtClean="0"/>
-                        <a:t>Free</a:t>
-                      </a:r>
-                      <a:r>
-                        <a:rPr lang="de-DE" sz="2000" b="0" baseline="0" dirty="0" smtClean="0"/>
-                        <a:t> </a:t>
-                      </a:r>
-                      <a:r>
-                        <a:rPr lang="de-DE" sz="2000" b="0" baseline="0" dirty="0" err="1" smtClean="0"/>
-                        <a:t>and</a:t>
-                      </a:r>
-                      <a:r>
-                        <a:rPr lang="de-DE" sz="2000" b="0" baseline="0" dirty="0" smtClean="0"/>
-                        <a:t> open-</a:t>
-                      </a:r>
-                      <a:r>
-                        <a:rPr lang="de-DE" sz="2000" b="0" baseline="0" dirty="0" err="1" smtClean="0"/>
-                        <a:t>source</a:t>
-                      </a:r>
-                      <a:endParaRPr lang="de-DE" sz="2000" b="0" dirty="0"/>
-                    </a:p>
-                  </a:txBody>
-                  <a:tcPr/>
-                </a:tc>
-                <a:tc>
-                  <a:txBody>
-                    <a:bodyPr/>
-                    <a:lstStyle/>
-                    <a:p>
                       <a:endParaRPr lang="de-DE" b="0" dirty="0"/>
                     </a:p>
                   </a:txBody>

--- a/documentation/docs/presentation/HTMLSC-presentation.pptx
+++ b/documentation/docs/presentation/HTMLSC-presentation.pptx
@@ -2875,11 +2875,46 @@
           <a:p>
             <a:r>
               <a:rPr lang="de-DE" dirty="0" err="1" smtClean="0"/>
+              <a:t>Use</a:t>
+            </a:r>
+            <a:r>
+              <a:rPr lang="de-DE" dirty="0" smtClean="0"/>
+              <a:t> HTML </a:t>
+            </a:r>
+            <a:r>
+              <a:rPr lang="de-DE" dirty="0" err="1" smtClean="0"/>
+              <a:t>parser</a:t>
+            </a:r>
+            <a:r>
+              <a:rPr lang="de-DE" dirty="0" smtClean="0"/>
+              <a:t> </a:t>
+            </a:r>
+            <a:r>
+              <a:rPr lang="de-DE" dirty="0" err="1" smtClean="0"/>
+              <a:t>with</a:t>
+            </a:r>
+            <a:r>
+              <a:rPr lang="de-DE" dirty="0" smtClean="0"/>
+              <a:t> minimal </a:t>
+            </a:r>
+            <a:r>
+              <a:rPr lang="de-DE" dirty="0" err="1" smtClean="0"/>
+              <a:t>dependencies</a:t>
+            </a:r>
+            <a:endParaRPr lang="de-DE" dirty="0" smtClean="0"/>
+          </a:p>
+          <a:p>
+            <a:r>
+              <a:rPr lang="de-DE" dirty="0" err="1" smtClean="0"/>
               <a:t>Implement</a:t>
             </a:r>
             <a:r>
               <a:rPr lang="de-DE" dirty="0" smtClean="0"/>
-              <a:t> in Groovy</a:t>
+              <a:t> </a:t>
+            </a:r>
+            <a:r>
+              <a:rPr lang="de-DE" dirty="0" smtClean="0"/>
+              <a:t>in Groovy</a:t>
             </a:r>
           </a:p>
           <a:p>
@@ -2916,12 +2951,6 @@
               <a:rPr lang="de-DE" dirty="0" smtClean="0"/>
               <a:t> simple</a:t>
             </a:r>
-          </a:p>
-          <a:p>
-            <a:pPr marL="457200" lvl="1" indent="0">
-              <a:buNone/>
-            </a:pPr>
-            <a:endParaRPr lang="de-DE" dirty="0" smtClean="0"/>
           </a:p>
           <a:p>
             <a:pPr marL="457200" lvl="1" indent="0">
@@ -4172,6 +4201,13 @@
   <p:clrMapOvr>
     <a:masterClrMapping/>
   </p:clrMapOvr>
+  <p:timing>
+    <p:tnLst>
+      <p:par>
+        <p:cTn xmlns:p14="http://schemas.microsoft.com/office/powerpoint/2010/main" id="1" dur="indefinite" restart="never" nodeType="tmRoot"/>
+      </p:par>
+    </p:tnLst>
+  </p:timing>
 </p:sld>
 </file>
 
